--- a/img/overall.pptx
+++ b/img/overall.pptx
@@ -260,7 +260,7 @@
           <a:lstStyle/>
           <a:p>
             <a:fld id="{7487EB1A-55E3-CB4D-8F6C-920D04E8AC0D}" type="datetimeFigureOut">
-              <a:t>17.06.20</a:t>
+              <a:t>24.06.20</a:t>
             </a:fld>
             <a:endParaRPr lang="de-DE"/>
           </a:p>
@@ -458,7 +458,7 @@
           <a:lstStyle/>
           <a:p>
             <a:fld id="{7487EB1A-55E3-CB4D-8F6C-920D04E8AC0D}" type="datetimeFigureOut">
-              <a:t>17.06.20</a:t>
+              <a:t>24.06.20</a:t>
             </a:fld>
             <a:endParaRPr lang="de-DE"/>
           </a:p>
@@ -666,7 +666,7 @@
           <a:lstStyle/>
           <a:p>
             <a:fld id="{7487EB1A-55E3-CB4D-8F6C-920D04E8AC0D}" type="datetimeFigureOut">
-              <a:t>17.06.20</a:t>
+              <a:t>24.06.20</a:t>
             </a:fld>
             <a:endParaRPr lang="de-DE"/>
           </a:p>
@@ -864,7 +864,7 @@
           <a:lstStyle/>
           <a:p>
             <a:fld id="{7487EB1A-55E3-CB4D-8F6C-920D04E8AC0D}" type="datetimeFigureOut">
-              <a:t>17.06.20</a:t>
+              <a:t>24.06.20</a:t>
             </a:fld>
             <a:endParaRPr lang="de-DE"/>
           </a:p>
@@ -1138,7 +1138,7 @@
           <a:lstStyle/>
           <a:p>
             <a:fld id="{7487EB1A-55E3-CB4D-8F6C-920D04E8AC0D}" type="datetimeFigureOut">
-              <a:t>17.06.20</a:t>
+              <a:t>24.06.20</a:t>
             </a:fld>
             <a:endParaRPr lang="de-DE"/>
           </a:p>
@@ -1404,7 +1404,7 @@
           <a:lstStyle/>
           <a:p>
             <a:fld id="{7487EB1A-55E3-CB4D-8F6C-920D04E8AC0D}" type="datetimeFigureOut">
-              <a:t>17.06.20</a:t>
+              <a:t>24.06.20</a:t>
             </a:fld>
             <a:endParaRPr lang="de-DE"/>
           </a:p>
@@ -1817,7 +1817,7 @@
           <a:lstStyle/>
           <a:p>
             <a:fld id="{7487EB1A-55E3-CB4D-8F6C-920D04E8AC0D}" type="datetimeFigureOut">
-              <a:t>17.06.20</a:t>
+              <a:t>24.06.20</a:t>
             </a:fld>
             <a:endParaRPr lang="de-DE"/>
           </a:p>
@@ -1957,7 +1957,7 @@
           <a:lstStyle/>
           <a:p>
             <a:fld id="{7487EB1A-55E3-CB4D-8F6C-920D04E8AC0D}" type="datetimeFigureOut">
-              <a:t>17.06.20</a:t>
+              <a:t>24.06.20</a:t>
             </a:fld>
             <a:endParaRPr lang="de-DE"/>
           </a:p>
@@ -2068,7 +2068,7 @@
           <a:lstStyle/>
           <a:p>
             <a:fld id="{7487EB1A-55E3-CB4D-8F6C-920D04E8AC0D}" type="datetimeFigureOut">
-              <a:t>17.06.20</a:t>
+              <a:t>24.06.20</a:t>
             </a:fld>
             <a:endParaRPr lang="de-DE"/>
           </a:p>
@@ -2379,7 +2379,7 @@
           <a:lstStyle/>
           <a:p>
             <a:fld id="{7487EB1A-55E3-CB4D-8F6C-920D04E8AC0D}" type="datetimeFigureOut">
-              <a:t>17.06.20</a:t>
+              <a:t>24.06.20</a:t>
             </a:fld>
             <a:endParaRPr lang="de-DE"/>
           </a:p>
@@ -2666,7 +2666,7 @@
           <a:lstStyle/>
           <a:p>
             <a:fld id="{7487EB1A-55E3-CB4D-8F6C-920D04E8AC0D}" type="datetimeFigureOut">
-              <a:t>17.06.20</a:t>
+              <a:t>24.06.20</a:t>
             </a:fld>
             <a:endParaRPr lang="de-DE"/>
           </a:p>
@@ -2907,7 +2907,7 @@
           </a:lstStyle>
           <a:p>
             <a:fld id="{7487EB1A-55E3-CB4D-8F6C-920D04E8AC0D}" type="datetimeFigureOut">
-              <a:t>17.06.20</a:t>
+              <a:t>24.06.20</a:t>
             </a:fld>
             <a:endParaRPr lang="de-DE"/>
           </a:p>
@@ -4068,8 +4068,8 @@
         </p:nvSpPr>
         <p:spPr>
           <a:xfrm>
-            <a:off x="6539049" y="965141"/>
-            <a:ext cx="2033007" cy="553998"/>
+            <a:off x="6523147" y="965141"/>
+            <a:ext cx="2307896" cy="553998"/>
           </a:xfrm>
           <a:prstGeom prst="rect">
             <a:avLst/>
@@ -4095,42 +4095,42 @@
                 <a:latin typeface="Courier New" panose="02070309020205020404" pitchFamily="49" charset="0"/>
                 <a:cs typeface="Courier New" panose="02070309020205020404" pitchFamily="49" charset="0"/>
               </a:rPr>
-              <a:t>(E</a:t>
+              <a:t>(e</a:t>
             </a:r>
             <a:r>
               <a:rPr lang="de-DE" sz="1500" baseline="-25000">
                 <a:latin typeface="Courier New" panose="02070309020205020404" pitchFamily="49" charset="0"/>
                 <a:cs typeface="Courier New" panose="02070309020205020404" pitchFamily="49" charset="0"/>
               </a:rPr>
-              <a:t>1</a:t>
+              <a:t>i</a:t>
             </a:r>
             <a:r>
               <a:rPr lang="de-DE" sz="1500">
                 <a:latin typeface="Courier New" panose="02070309020205020404" pitchFamily="49" charset="0"/>
                 <a:cs typeface="Courier New" panose="02070309020205020404" pitchFamily="49" charset="0"/>
               </a:rPr>
-              <a:t>, E</a:t>
+              <a:t>, e</a:t>
             </a:r>
             <a:r>
               <a:rPr lang="de-DE" sz="1500" baseline="-25000">
                 <a:latin typeface="Courier New" panose="02070309020205020404" pitchFamily="49" charset="0"/>
                 <a:cs typeface="Courier New" panose="02070309020205020404" pitchFamily="49" charset="0"/>
               </a:rPr>
-              <a:t>2</a:t>
+              <a:t>i+1</a:t>
             </a:r>
             <a:r>
               <a:rPr lang="de-DE" sz="1500">
                 <a:latin typeface="Courier New" panose="02070309020205020404" pitchFamily="49" charset="0"/>
                 <a:cs typeface="Courier New" panose="02070309020205020404" pitchFamily="49" charset="0"/>
               </a:rPr>
-              <a:t>,..., E</a:t>
+              <a:t>,..., e</a:t>
             </a:r>
             <a:r>
               <a:rPr lang="de-DE" sz="1500" baseline="-25000">
                 <a:latin typeface="Courier New" panose="02070309020205020404" pitchFamily="49" charset="0"/>
                 <a:cs typeface="Courier New" panose="02070309020205020404" pitchFamily="49" charset="0"/>
               </a:rPr>
-              <a:t>s</a:t>
+              <a:t>i+s</a:t>
             </a:r>
             <a:r>
               <a:rPr lang="de-DE" sz="1500">
@@ -4197,15 +4197,14 @@
           </p:cNvPr>
           <p:cNvCxnSpPr>
             <a:cxnSpLocks/>
-            <a:stCxn id="40" idx="2"/>
             <a:endCxn id="33" idx="0"/>
           </p:cNvCxnSpPr>
           <p:nvPr/>
         </p:nvCxnSpPr>
         <p:spPr>
           <a:xfrm>
-            <a:off x="7555553" y="1519139"/>
-            <a:ext cx="614" cy="432716"/>
+            <a:off x="7556167" y="1519139"/>
+            <a:ext cx="0" cy="432716"/>
           </a:xfrm>
           <a:prstGeom prst="straightConnector1">
             <a:avLst/>
@@ -4521,45 +4520,8 @@
                 <a:latin typeface="Courier New" panose="02070309020205020404" pitchFamily="49" charset="0"/>
                 <a:cs typeface="Courier New" panose="02070309020205020404" pitchFamily="49" charset="0"/>
               </a:rPr>
-              <a:t>pred</a:t>
-            </a:r>
-            <a:r>
-              <a:rPr lang="de-DE" sz="1300" baseline="-25000">
-                <a:solidFill>
-                  <a:schemeClr val="accent1"/>
-                </a:solidFill>
-                <a:latin typeface="Courier New" panose="02070309020205020404" pitchFamily="49" charset="0"/>
-                <a:cs typeface="Courier New" panose="02070309020205020404" pitchFamily="49" charset="0"/>
-              </a:rPr>
-              <a:t>2</a:t>
-            </a:r>
-            <a:r>
-              <a:rPr lang="de-DE" sz="1300">
-                <a:solidFill>
-                  <a:schemeClr val="accent1"/>
-                </a:solidFill>
-                <a:latin typeface="Courier New" panose="02070309020205020404" pitchFamily="49" charset="0"/>
-                <a:cs typeface="Courier New" panose="02070309020205020404" pitchFamily="49" charset="0"/>
-              </a:rPr>
-              <a:t>-C</a:t>
-            </a:r>
-            <a:r>
-              <a:rPr lang="de-DE" sz="1300" baseline="-25000">
-                <a:solidFill>
-                  <a:schemeClr val="accent1"/>
-                </a:solidFill>
-                <a:latin typeface="Courier New" panose="02070309020205020404" pitchFamily="49" charset="0"/>
-                <a:cs typeface="Courier New" panose="02070309020205020404" pitchFamily="49" charset="0"/>
-              </a:rPr>
-              <a:t>s+1</a:t>
-            </a:r>
-            <a:endParaRPr lang="de-DE" sz="1300">
-              <a:solidFill>
-                <a:schemeClr val="accent1"/>
-              </a:solidFill>
-              <a:latin typeface="Courier New" panose="02070309020205020404" pitchFamily="49" charset="0"/>
-              <a:cs typeface="Courier New" panose="02070309020205020404" pitchFamily="49" charset="0"/>
-            </a:endParaRPr>
+              <a:t>...</a:t>
+            </a:r>
           </a:p>
         </p:txBody>
       </p:sp>
@@ -4609,7 +4571,7 @@
                 <a:latin typeface="Courier New" panose="02070309020205020404" pitchFamily="49" charset="0"/>
                 <a:cs typeface="Courier New" panose="02070309020205020404" pitchFamily="49" charset="0"/>
               </a:rPr>
-              <a:t>3</a:t>
+              <a:t>q</a:t>
             </a:r>
             <a:r>
               <a:rPr lang="de-DE" sz="1300">
@@ -4799,7 +4761,7 @@
         </p:nvSpPr>
         <p:spPr>
           <a:xfrm>
-            <a:off x="2846681" y="3258635"/>
+            <a:off x="2846681" y="3616445"/>
             <a:ext cx="951183" cy="307777"/>
           </a:xfrm>
           <a:prstGeom prst="rect">
@@ -5129,7 +5091,7 @@
                   <a:schemeClr val="accent1"/>
                 </a:solidFill>
               </a:rPr>
-              <a:t>top-3 predicted </a:t>
+              <a:t>top-q candidate </a:t>
             </a:r>
           </a:p>
           <a:p>
